--- a/sql자료/Ch04_함수2-집계 함수자료.pptx
+++ b/sql자료/Ch04_함수2-집계 함수자료.pptx
@@ -271,7 +271,7 @@
               <a:pPr lvl="0">
                 <a:defRPr/>
               </a:pPr>
-              <a:t>2024-12-12</a:t>
+              <a:t>2024-12-13</a:t>
             </a:fld>
             <a:endParaRPr lang="ko-KR" altLang="en-US"/>
           </a:p>
@@ -454,7 +454,7 @@
               <a:pPr lvl="0">
                 <a:defRPr/>
               </a:pPr>
-              <a:t>2024-12-12</a:t>
+              <a:t>2024-12-13</a:t>
             </a:fld>
             <a:endParaRPr lang="ko-KR" altLang="en-US"/>
           </a:p>
@@ -2033,7 +2033,7 @@
               <a:pPr lvl="0">
                 <a:defRPr/>
               </a:pPr>
-              <a:t>2024-12-12</a:t>
+              <a:t>2024-12-13</a:t>
             </a:fld>
             <a:endParaRPr lang="ko-KR" altLang="en-US"/>
           </a:p>
@@ -2427,7 +2427,7 @@
               <a:pPr lvl="0">
                 <a:defRPr/>
               </a:pPr>
-              <a:t>2024-12-12</a:t>
+              <a:t>2024-12-13</a:t>
             </a:fld>
             <a:endParaRPr lang="ko-KR" altLang="en-US"/>
           </a:p>
@@ -4995,7 +4995,7 @@
               <a:pPr lvl="0">
                 <a:defRPr/>
               </a:pPr>
-              <a:t>2024-12-12</a:t>
+              <a:t>2024-12-13</a:t>
             </a:fld>
             <a:endParaRPr lang="ko-KR" altLang="en-US"/>
           </a:p>
@@ -7793,7 +7793,7 @@
     <mc:Choice Requires="p14">
       <p:transition/>
     </mc:Choice>
-    <mc:Fallback xmlns="" xmlns:c="http://schemas.openxmlformats.org/drawingml/2006/chart" xmlns:dgm="http://schemas.openxmlformats.org/drawingml/2006/diagram" xmlns:dsp="http://schemas.microsoft.com/office/drawing/2008/diagram">
+    <mc:Fallback xmlns:dsp="http://schemas.microsoft.com/office/drawing/2008/diagram" xmlns:dgm="http://schemas.openxmlformats.org/drawingml/2006/diagram" xmlns:c="http://schemas.openxmlformats.org/drawingml/2006/chart" xmlns="">
       <p:transition/>
     </mc:Fallback>
   </mc:AlternateContent>
@@ -10075,6 +10075,142 @@
           </p:spPr>
         </p:pic>
       </p:grpSp>
+      <p:sp>
+        <p:nvSpPr>
+          <p:cNvPr id="2" name="TextBox 1"/>
+          <p:cNvSpPr txBox="1"/>
+          <p:nvPr/>
+        </p:nvSpPr>
+        <p:spPr>
+          <a:xfrm>
+            <a:off x="3761910" y="2393885"/>
+            <a:ext cx="4860540" cy="307777"/>
+          </a:xfrm>
+          <a:prstGeom prst="rect">
+            <a:avLst/>
+          </a:prstGeom>
+          <a:noFill/>
+        </p:spPr>
+        <p:txBody>
+          <a:bodyPr wrap="square" rtlCol="0">
+            <a:spAutoFit/>
+          </a:bodyPr>
+          <a:lstStyle/>
+          <a:p>
+            <a:r>
+              <a:rPr lang="en-US" altLang="ko-KR" sz="1400" dirty="0"/>
+              <a:t>select </a:t>
+            </a:r>
+            <a:r>
+              <a:rPr lang="ko-KR" altLang="en-US" sz="1400" dirty="0"/>
+              <a:t>도시</a:t>
+            </a:r>
+            <a:r>
+              <a:rPr lang="en-US" altLang="ko-KR" sz="1400" dirty="0"/>
+              <a:t>, count(</a:t>
+            </a:r>
+            <a:r>
+              <a:rPr lang="ko-KR" altLang="en-US" sz="1400" dirty="0"/>
+              <a:t>도시</a:t>
+            </a:r>
+            <a:r>
+              <a:rPr lang="en-US" altLang="ko-KR" sz="1400" dirty="0"/>
+              <a:t>), count(distinct </a:t>
+            </a:r>
+            <a:r>
+              <a:rPr lang="ko-KR" altLang="en-US" sz="1400" dirty="0"/>
+              <a:t>도시</a:t>
+            </a:r>
+            <a:r>
+              <a:rPr lang="en-US" altLang="ko-KR" sz="1400" dirty="0"/>
+              <a:t>) from </a:t>
+            </a:r>
+            <a:r>
+              <a:rPr lang="ko-KR" altLang="en-US" sz="1400" dirty="0"/>
+              <a:t>고객</a:t>
+            </a:r>
+            <a:r>
+              <a:rPr lang="en-US" altLang="ko-KR" sz="1400" dirty="0"/>
+              <a:t>;</a:t>
+            </a:r>
+            <a:endParaRPr lang="ko-KR" altLang="en-US" sz="1400" dirty="0"/>
+          </a:p>
+        </p:txBody>
+      </p:sp>
+      <p:sp>
+        <p:nvSpPr>
+          <p:cNvPr id="7" name="TextBox 6"/>
+          <p:cNvSpPr txBox="1"/>
+          <p:nvPr/>
+        </p:nvSpPr>
+        <p:spPr>
+          <a:xfrm>
+            <a:off x="3491880" y="4561300"/>
+            <a:ext cx="4860540" cy="523220"/>
+          </a:xfrm>
+          <a:prstGeom prst="rect">
+            <a:avLst/>
+          </a:prstGeom>
+          <a:noFill/>
+        </p:spPr>
+        <p:txBody>
+          <a:bodyPr wrap="square" rtlCol="0">
+            <a:spAutoFit/>
+          </a:bodyPr>
+          <a:lstStyle/>
+          <a:p>
+            <a:r>
+              <a:rPr lang="en-US" altLang="ko-KR" sz="1400" dirty="0"/>
+              <a:t>SELECT year(</a:t>
+            </a:r>
+            <a:r>
+              <a:rPr lang="ko-KR" altLang="en-US" sz="1400" dirty="0"/>
+              <a:t>주문일</a:t>
+            </a:r>
+            <a:r>
+              <a:rPr lang="en-US" altLang="ko-KR" sz="1400" dirty="0"/>
+              <a:t>) as </a:t>
+            </a:r>
+            <a:r>
+              <a:rPr lang="ko-KR" altLang="en-US" sz="1400" dirty="0" err="1"/>
+              <a:t>주문년도</a:t>
+            </a:r>
+            <a:r>
+              <a:rPr lang="en-US" altLang="ko-KR" sz="1400" dirty="0"/>
+              <a:t>, count(*) as </a:t>
+            </a:r>
+            <a:r>
+              <a:rPr lang="ko-KR" altLang="en-US" sz="1400" dirty="0" err="1"/>
+              <a:t>주문건수</a:t>
+            </a:r>
+            <a:r>
+              <a:rPr lang="ko-KR" altLang="en-US" sz="1400" dirty="0"/>
+              <a:t> </a:t>
+            </a:r>
+            <a:r>
+              <a:rPr lang="en-US" altLang="ko-KR" sz="1400" dirty="0"/>
+              <a:t>FROM </a:t>
+            </a:r>
+            <a:r>
+              <a:rPr lang="ko-KR" altLang="en-US" sz="1400" dirty="0"/>
+              <a:t>주문 </a:t>
+            </a:r>
+            <a:r>
+              <a:rPr lang="en-US" altLang="ko-KR" sz="1400" dirty="0"/>
+              <a:t>group by year(</a:t>
+            </a:r>
+            <a:r>
+              <a:rPr lang="ko-KR" altLang="en-US" sz="1400" dirty="0"/>
+              <a:t>주문일</a:t>
+            </a:r>
+            <a:r>
+              <a:rPr lang="en-US" altLang="ko-KR" sz="1400" dirty="0"/>
+              <a:t>);</a:t>
+            </a:r>
+            <a:endParaRPr lang="ko-KR" altLang="en-US" sz="1400" dirty="0"/>
+          </a:p>
+        </p:txBody>
+      </p:sp>
     </p:spTree>
     <p:extLst>
       <p:ext uri="{BB962C8B-B14F-4D97-AF65-F5344CB8AC3E}">
@@ -10164,7 +10300,7 @@
     <mc:Choice Requires="p14">
       <p:transition/>
     </mc:Choice>
-    <mc:Fallback xmlns="" xmlns:c="http://schemas.openxmlformats.org/drawingml/2006/chart" xmlns:dgm="http://schemas.openxmlformats.org/drawingml/2006/diagram" xmlns:dsp="http://schemas.microsoft.com/office/drawing/2008/diagram">
+    <mc:Fallback xmlns:dsp="http://schemas.microsoft.com/office/drawing/2008/diagram" xmlns:dgm="http://schemas.openxmlformats.org/drawingml/2006/diagram" xmlns:c="http://schemas.openxmlformats.org/drawingml/2006/chart" xmlns="">
       <p:transition/>
     </mc:Fallback>
   </mc:AlternateContent>
@@ -10490,6 +10626,206 @@
           </p:spPr>
         </p:pic>
       </p:grpSp>
+      <p:sp>
+        <p:nvSpPr>
+          <p:cNvPr id="9" name="TextBox 8"/>
+          <p:cNvSpPr txBox="1"/>
+          <p:nvPr/>
+        </p:nvSpPr>
+        <p:spPr>
+          <a:xfrm>
+            <a:off x="3536885" y="2483895"/>
+            <a:ext cx="4860540" cy="523220"/>
+          </a:xfrm>
+          <a:prstGeom prst="rect">
+            <a:avLst/>
+          </a:prstGeom>
+          <a:noFill/>
+        </p:spPr>
+        <p:txBody>
+          <a:bodyPr wrap="square" rtlCol="0">
+            <a:spAutoFit/>
+          </a:bodyPr>
+          <a:lstStyle/>
+          <a:p>
+            <a:r>
+              <a:rPr lang="en-US" altLang="ko-KR" sz="1400" dirty="0"/>
+              <a:t>SELECT </a:t>
+            </a:r>
+            <a:r>
+              <a:rPr lang="ko-KR" altLang="en-US" sz="1400" dirty="0"/>
+              <a:t>제품명</a:t>
+            </a:r>
+            <a:r>
+              <a:rPr lang="en-US" altLang="ko-KR" sz="1400" dirty="0"/>
+              <a:t>, sum(</a:t>
+            </a:r>
+            <a:r>
+              <a:rPr lang="ko-KR" altLang="en-US" sz="1400" dirty="0"/>
+              <a:t>재고</a:t>
+            </a:r>
+            <a:r>
+              <a:rPr lang="en-US" altLang="ko-KR" sz="1400" dirty="0"/>
+              <a:t>) as </a:t>
+            </a:r>
+            <a:r>
+              <a:rPr lang="ko-KR" altLang="en-US" sz="1400" dirty="0" err="1"/>
+              <a:t>재고합</a:t>
+            </a:r>
+            <a:r>
+              <a:rPr lang="ko-KR" altLang="en-US" sz="1400" dirty="0"/>
+              <a:t> </a:t>
+            </a:r>
+            <a:r>
+              <a:rPr lang="en-US" altLang="ko-KR" sz="1400" dirty="0"/>
+              <a:t>from </a:t>
+            </a:r>
+            <a:r>
+              <a:rPr lang="ko-KR" altLang="en-US" sz="1400" dirty="0"/>
+              <a:t>제품 </a:t>
+            </a:r>
+            <a:r>
+              <a:rPr lang="en-US" altLang="ko-KR" sz="1400" dirty="0"/>
+              <a:t>where </a:t>
+            </a:r>
+            <a:r>
+              <a:rPr lang="ko-KR" altLang="en-US" sz="1400" dirty="0"/>
+              <a:t>제품명 </a:t>
+            </a:r>
+            <a:r>
+              <a:rPr lang="en-US" altLang="ko-KR" sz="1400" dirty="0"/>
+              <a:t>like '%</a:t>
+            </a:r>
+            <a:r>
+              <a:rPr lang="ko-KR" altLang="en-US" sz="1400" dirty="0"/>
+              <a:t>아이스크림</a:t>
+            </a:r>
+            <a:r>
+              <a:rPr lang="en-US" altLang="ko-KR" sz="1400" dirty="0"/>
+              <a:t>%' group by </a:t>
+            </a:r>
+            <a:r>
+              <a:rPr lang="ko-KR" altLang="en-US" sz="1400" dirty="0"/>
+              <a:t>제품명</a:t>
+            </a:r>
+            <a:r>
+              <a:rPr lang="en-US" altLang="ko-KR" sz="1400" dirty="0"/>
+              <a:t>;</a:t>
+            </a:r>
+            <a:endParaRPr lang="ko-KR" altLang="en-US" sz="1400" dirty="0"/>
+          </a:p>
+        </p:txBody>
+      </p:sp>
+      <p:sp>
+        <p:nvSpPr>
+          <p:cNvPr id="10" name="TextBox 9"/>
+          <p:cNvSpPr txBox="1"/>
+          <p:nvPr/>
+        </p:nvSpPr>
+        <p:spPr>
+          <a:xfrm>
+            <a:off x="3516016" y="5139190"/>
+            <a:ext cx="4860540" cy="954107"/>
+          </a:xfrm>
+          <a:prstGeom prst="rect">
+            <a:avLst/>
+          </a:prstGeom>
+          <a:noFill/>
+        </p:spPr>
+        <p:txBody>
+          <a:bodyPr wrap="square" rtlCol="0">
+            <a:spAutoFit/>
+          </a:bodyPr>
+          <a:lstStyle/>
+          <a:p>
+            <a:r>
+              <a:rPr lang="en-US" altLang="ko-KR" sz="1400" dirty="0"/>
+              <a:t>select if(</a:t>
+            </a:r>
+            <a:r>
+              <a:rPr lang="ko-KR" altLang="en-US" sz="1400" dirty="0"/>
+              <a:t>마일리지 </a:t>
+            </a:r>
+            <a:r>
+              <a:rPr lang="en-US" altLang="ko-KR" sz="1400" dirty="0"/>
+              <a:t>&gt; 50000, 'VIP', '</a:t>
+            </a:r>
+            <a:r>
+              <a:rPr lang="ko-KR" altLang="en-US" sz="1400" dirty="0" err="1"/>
+              <a:t>일반고객</a:t>
+            </a:r>
+            <a:r>
+              <a:rPr lang="en-US" altLang="ko-KR" sz="1400" dirty="0"/>
+              <a:t>') as </a:t>
+            </a:r>
+            <a:r>
+              <a:rPr lang="ko-KR" altLang="en-US" sz="1400" dirty="0" err="1"/>
+              <a:t>고객구분</a:t>
+            </a:r>
+            <a:r>
+              <a:rPr lang="en-US" altLang="ko-KR" sz="1400" dirty="0"/>
+              <a:t>,	count(*) as </a:t>
+            </a:r>
+            <a:r>
+              <a:rPr lang="ko-KR" altLang="en-US" sz="1400" dirty="0" err="1"/>
+              <a:t>고객수</a:t>
+            </a:r>
+            <a:r>
+              <a:rPr lang="en-US" altLang="ko-KR" sz="1400" dirty="0"/>
+              <a:t>,    </a:t>
+            </a:r>
+            <a:r>
+              <a:rPr lang="en-US" altLang="ko-KR" sz="1400" dirty="0" err="1"/>
+              <a:t>avg</a:t>
+            </a:r>
+            <a:r>
+              <a:rPr lang="en-US" altLang="ko-KR" sz="1400" dirty="0"/>
+              <a:t>(</a:t>
+            </a:r>
+            <a:r>
+              <a:rPr lang="ko-KR" altLang="en-US" sz="1400" dirty="0"/>
+              <a:t>마일리지</a:t>
+            </a:r>
+            <a:r>
+              <a:rPr lang="en-US" altLang="ko-KR" sz="1400" dirty="0"/>
+              <a:t>) as </a:t>
+            </a:r>
+            <a:r>
+              <a:rPr lang="ko-KR" altLang="en-US" sz="1400" dirty="0"/>
+              <a:t>평균마일리지</a:t>
+            </a:r>
+            <a:r>
+              <a:rPr lang="en-US" altLang="ko-KR" sz="1400" dirty="0"/>
+              <a:t>from </a:t>
+            </a:r>
+            <a:r>
+              <a:rPr lang="ko-KR" altLang="en-US" sz="1400" dirty="0"/>
+              <a:t>고객 </a:t>
+            </a:r>
+            <a:r>
+              <a:rPr lang="en-US" altLang="ko-KR" sz="1400" dirty="0"/>
+              <a:t>group by if(</a:t>
+            </a:r>
+            <a:r>
+              <a:rPr lang="ko-KR" altLang="en-US" sz="1400" dirty="0"/>
+              <a:t>마일리지 </a:t>
+            </a:r>
+            <a:r>
+              <a:rPr lang="en-US" altLang="ko-KR" sz="1400" dirty="0"/>
+              <a:t>&gt; 50000, 'VIP', '</a:t>
+            </a:r>
+            <a:r>
+              <a:rPr lang="ko-KR" altLang="en-US" sz="1400" dirty="0" err="1"/>
+              <a:t>일반고객</a:t>
+            </a:r>
+            <a:r>
+              <a:rPr lang="en-US" altLang="ko-KR" sz="1400" dirty="0"/>
+              <a:t>');</a:t>
+            </a:r>
+            <a:endParaRPr lang="ko-KR" altLang="en-US" sz="1400" dirty="0"/>
+          </a:p>
+        </p:txBody>
+      </p:sp>
     </p:spTree>
     <p:extLst>
       <p:ext uri="{BB962C8B-B14F-4D97-AF65-F5344CB8AC3E}">
@@ -10642,7 +10978,7 @@
     <mc:Choice Requires="p14">
       <p:transition/>
     </mc:Choice>
-    <mc:Fallback xmlns="" xmlns:c="http://schemas.openxmlformats.org/drawingml/2006/chart" xmlns:dgm="http://schemas.openxmlformats.org/drawingml/2006/diagram" xmlns:dsp="http://schemas.microsoft.com/office/drawing/2008/diagram">
+    <mc:Fallback xmlns:dsp="http://schemas.microsoft.com/office/drawing/2008/diagram" xmlns:dgm="http://schemas.openxmlformats.org/drawingml/2006/diagram" xmlns:c="http://schemas.openxmlformats.org/drawingml/2006/chart" xmlns="">
       <p:transition/>
     </mc:Fallback>
   </mc:AlternateContent>
